--- a/Montecarlo.pptx
+++ b/Montecarlo.pptx
@@ -120,7 +120,7 @@
   </p:defaultTextStyle>
   <p:extLst>
     <p:ext uri="{EFAFB233-063F-42B5-8137-9DF3F51BA10A}">
-      <p15:sldGuideLst xmlns:p15="http://schemas.microsoft.com/office/powerpoint/2012/main"/>
+      <p15:sldGuideLst xmlns:p15="http://schemas.microsoft.com/office/powerpoint/2012/main" xmlns=""/>
     </p:ext>
   </p:extLst>
 </p:presentation>
@@ -208,7 +208,7 @@
           <a:p>
             <a:fld id="{A5C20BB3-3CCB-4FE5-991B-82F6BCB48AF3}" type="datetimeFigureOut">
               <a:rPr lang="en-US" smtClean="0"/>
-              <a:t>7/9/18</a:t>
+              <a:t>7/10/2018</a:t>
             </a:fld>
             <a:endParaRPr lang="en-US"/>
           </a:p>
@@ -733,7 +733,7 @@
           <a:p>
             <a:fld id="{9E016143-E03C-4CFD-AFDC-14E5BDEA754C}" type="datetimeFigureOut">
               <a:rPr lang="en-US" dirty="0"/>
-              <a:t>7/9/18</a:t>
+              <a:t>7/10/2018</a:t>
             </a:fld>
             <a:endParaRPr lang="en-US" dirty="0"/>
           </a:p>
@@ -938,7 +938,7 @@
           <a:p>
             <a:fld id="{C033E54A-A8CA-48C1-9504-691B58049D29}" type="datetimeFigureOut">
               <a:rPr lang="en-US" dirty="0"/>
-              <a:t>7/9/18</a:t>
+              <a:t>7/10/2018</a:t>
             </a:fld>
             <a:endParaRPr lang="en-US" dirty="0"/>
           </a:p>
@@ -1094,7 +1094,7 @@
           <a:p>
             <a:fld id="{B5F6C806-BBF7-471C-9527-881CE2266695}" type="datetimeFigureOut">
               <a:rPr lang="en-US" dirty="0"/>
-              <a:t>7/9/18</a:t>
+              <a:t>7/10/2018</a:t>
             </a:fld>
             <a:endParaRPr lang="en-US" dirty="0"/>
           </a:p>
@@ -1330,7 +1330,7 @@
           <a:p>
             <a:fld id="{3652CD92-9D15-43B4-8516-073FCDAC90D4}" type="datetimeFigureOut">
               <a:rPr lang="en-US" smtClean="0"/>
-              <a:t>7/9/18</a:t>
+              <a:t>7/10/2018</a:t>
             </a:fld>
             <a:endParaRPr lang="en-US"/>
           </a:p>
@@ -1513,7 +1513,7 @@
           <a:p>
             <a:fld id="{78C94063-DF36-4330-A365-08DA1FA5B7D6}" type="datetimeFigureOut">
               <a:rPr lang="en-US" dirty="0"/>
-              <a:t>7/9/18</a:t>
+              <a:t>7/10/2018</a:t>
             </a:fld>
             <a:endParaRPr lang="en-US" dirty="0"/>
           </a:p>
@@ -1772,7 +1772,7 @@
           <a:p>
             <a:fld id="{908A7C6C-0F39-4D70-8E8D-FE5B9C95FA73}" type="datetimeFigureOut">
               <a:rPr lang="en-US" dirty="0"/>
-              <a:t>7/9/18</a:t>
+              <a:t>7/10/2018</a:t>
             </a:fld>
             <a:endParaRPr lang="en-US" dirty="0"/>
           </a:p>
@@ -2050,7 +2050,7 @@
           <a:p>
             <a:fld id="{DFCFA4AC-08CC-42CE-BD01-C191750A04EC}" type="datetimeFigureOut">
               <a:rPr lang="en-US" dirty="0"/>
-              <a:t>7/9/18</a:t>
+              <a:t>7/10/2018</a:t>
             </a:fld>
             <a:endParaRPr lang="en-US" dirty="0"/>
           </a:p>
@@ -2463,7 +2463,7 @@
           <a:p>
             <a:fld id="{1BA7A723-92A7-435B-B681-F25B092FEFEB}" type="datetimeFigureOut">
               <a:rPr lang="en-US" dirty="0"/>
-              <a:t>7/9/18</a:t>
+              <a:t>7/10/2018</a:t>
             </a:fld>
             <a:endParaRPr lang="en-US" dirty="0"/>
           </a:p>
@@ -2581,7 +2581,7 @@
           <a:p>
             <a:fld id="{4F170639-886C-4FCF-9EAB-ABB5DA3F3F4A}" type="datetimeFigureOut">
               <a:rPr lang="en-US" dirty="0"/>
-              <a:t>7/9/18</a:t>
+              <a:t>7/10/2018</a:t>
             </a:fld>
             <a:endParaRPr lang="en-US" dirty="0"/>
           </a:p>
@@ -2676,7 +2676,7 @@
           <a:p>
             <a:fld id="{22230651-31F4-45D2-98AE-A2108F41BC07}" type="datetimeFigureOut">
               <a:rPr lang="en-US" dirty="0"/>
-              <a:t>7/9/18</a:t>
+              <a:t>7/10/2018</a:t>
             </a:fld>
             <a:endParaRPr lang="en-US" dirty="0"/>
           </a:p>
@@ -2944,7 +2944,7 @@
           <a:p>
             <a:fld id="{6F53789A-C914-4DB1-8815-80B5EC7335C5}" type="datetimeFigureOut">
               <a:rPr lang="en-US" dirty="0"/>
-              <a:t>7/9/18</a:t>
+              <a:t>7/10/2018</a:t>
             </a:fld>
             <a:endParaRPr lang="en-US" dirty="0"/>
           </a:p>
@@ -3271,7 +3271,7 @@
           <a:p>
             <a:fld id="{5E6440AA-91A0-436F-8FDB-C0F939DCAE21}" type="datetimeFigureOut">
               <a:rPr lang="en-US" dirty="0"/>
-              <a:t>7/9/18</a:t>
+              <a:t>7/10/2018</a:t>
             </a:fld>
             <a:endParaRPr lang="en-US" dirty="0"/>
           </a:p>
@@ -3525,7 +3525,7 @@
           <a:p>
             <a:fld id="{0E59FD0C-5451-4CA0-86AF-E70AE3279989}" type="datetimeFigureOut">
               <a:rPr lang="en-US" dirty="0"/>
-              <a:t>7/9/18</a:t>
+              <a:t>7/10/2018</a:t>
             </a:fld>
             <a:endParaRPr lang="en-US" dirty="0"/>
           </a:p>
@@ -4148,7 +4148,7 @@
           <a:p>
             <a:fld id="{3652CD92-9D15-43B4-8516-073FCDAC90D4}" type="datetimeFigureOut">
               <a:rPr lang="en-US" smtClean="0"/>
-              <a:t>7/9/18</a:t>
+              <a:t>7/10/2018</a:t>
             </a:fld>
             <a:endParaRPr lang="en-US"/>
           </a:p>
@@ -4548,7 +4548,7 @@
           <p:cNvPr id="4" name="Title 1">
             <a:extLst>
               <a:ext uri="{FF2B5EF4-FFF2-40B4-BE49-F238E27FC236}">
-                <a16:creationId xmlns:a16="http://schemas.microsoft.com/office/drawing/2014/main" id="{145CA327-20E6-4148-805B-D5FAC834A12F}"/>
+                <a16:creationId xmlns:a16="http://schemas.microsoft.com/office/drawing/2014/main" xmlns="" id="{145CA327-20E6-4148-805B-D5FAC834A12F}"/>
               </a:ext>
             </a:extLst>
           </p:cNvPr>
@@ -4754,6 +4754,21 @@
   <p:clrMapOvr>
     <a:masterClrMapping/>
   </p:clrMapOvr>
+  <mc:AlternateContent xmlns:mc="http://schemas.openxmlformats.org/markup-compatibility/2006">
+    <mc:Choice xmlns:p14="http://schemas.microsoft.com/office/powerpoint/2010/main" Requires="p14">
+      <p:transition spd="slow" p14:dur="2000"/>
+    </mc:Choice>
+    <mc:Fallback>
+      <p:transition spd="slow"/>
+    </mc:Fallback>
+  </mc:AlternateContent>
+  <p:timing>
+    <p:tnLst>
+      <p:par>
+        <p:cTn id="1" dur="indefinite" restart="never" nodeType="tmRoot"/>
+      </p:par>
+    </p:tnLst>
+  </p:timing>
 </p:sld>
 </file>
 
@@ -4787,10 +4802,10 @@
           <p:cNvPr id="12" name="Rectangle 11">
             <a:extLst>
               <a:ext uri="{FF2B5EF4-FFF2-40B4-BE49-F238E27FC236}">
-                <a16:creationId xmlns:a16="http://schemas.microsoft.com/office/drawing/2014/main" id="{489AE6DA-A080-475C-BE02-EF343FBA6E55}"/>
+                <a16:creationId xmlns:a16="http://schemas.microsoft.com/office/drawing/2014/main" xmlns="" id="{489AE6DA-A080-475C-BE02-EF343FBA6E55}"/>
               </a:ext>
               <a:ext uri="{C183D7F6-B498-43B3-948B-1728B52AA6E4}">
-                <adec:decorative xmlns:adec="http://schemas.microsoft.com/office/drawing/2017/decorative" val="1"/>
+                <adec:decorative xmlns:adec="http://schemas.microsoft.com/office/drawing/2017/decorative" xmlns="" val="1"/>
               </a:ext>
             </a:extLst>
           </p:cNvPr>
@@ -4800,7 +4815,7 @@
           <p:nvPr>
             <p:extLst>
               <p:ext uri="{386F3935-93C4-4BCD-93E2-E3B085C9AB24}">
-                <p16:designElem xmlns:p16="http://schemas.microsoft.com/office/powerpoint/2015/main" val="1"/>
+                <p16:designElem xmlns:p16="http://schemas.microsoft.com/office/powerpoint/2015/main" xmlns="" val="1"/>
               </p:ext>
             </p:extLst>
           </p:nvPr>
@@ -4844,10 +4859,10 @@
           <p:cNvPr id="14" name="Rectangle 13">
             <a:extLst>
               <a:ext uri="{FF2B5EF4-FFF2-40B4-BE49-F238E27FC236}">
-                <a16:creationId xmlns:a16="http://schemas.microsoft.com/office/drawing/2014/main" id="{25F07E98-835E-42CA-A38E-C5DCBFB467EF}"/>
+                <a16:creationId xmlns:a16="http://schemas.microsoft.com/office/drawing/2014/main" xmlns="" id="{25F07E98-835E-42CA-A38E-C5DCBFB467EF}"/>
               </a:ext>
               <a:ext uri="{C183D7F6-B498-43B3-948B-1728B52AA6E4}">
-                <adec:decorative xmlns:adec="http://schemas.microsoft.com/office/drawing/2017/decorative" val="1"/>
+                <adec:decorative xmlns:adec="http://schemas.microsoft.com/office/drawing/2017/decorative" xmlns="" val="1"/>
               </a:ext>
             </a:extLst>
           </p:cNvPr>
@@ -4857,7 +4872,7 @@
           <p:nvPr>
             <p:extLst>
               <p:ext uri="{386F3935-93C4-4BCD-93E2-E3B085C9AB24}">
-                <p16:designElem xmlns:p16="http://schemas.microsoft.com/office/powerpoint/2015/main" val="1"/>
+                <p16:designElem xmlns:p16="http://schemas.microsoft.com/office/powerpoint/2015/main" xmlns="" val="1"/>
               </p:ext>
             </p:extLst>
           </p:nvPr>
@@ -4907,10 +4922,10 @@
           <p:cNvPr id="16" name="Rectangle 15">
             <a:extLst>
               <a:ext uri="{FF2B5EF4-FFF2-40B4-BE49-F238E27FC236}">
-                <a16:creationId xmlns:a16="http://schemas.microsoft.com/office/drawing/2014/main" id="{9A8CA288-31AA-42B8-9269-D421F39876B4}"/>
+                <a16:creationId xmlns:a16="http://schemas.microsoft.com/office/drawing/2014/main" xmlns="" id="{9A8CA288-31AA-42B8-9269-D421F39876B4}"/>
               </a:ext>
               <a:ext uri="{C183D7F6-B498-43B3-948B-1728B52AA6E4}">
-                <adec:decorative xmlns:adec="http://schemas.microsoft.com/office/drawing/2017/decorative" val="1"/>
+                <adec:decorative xmlns:adec="http://schemas.microsoft.com/office/drawing/2017/decorative" xmlns="" val="1"/>
               </a:ext>
             </a:extLst>
           </p:cNvPr>
@@ -4920,7 +4935,7 @@
           <p:nvPr>
             <p:extLst>
               <p:ext uri="{386F3935-93C4-4BCD-93E2-E3B085C9AB24}">
-                <p16:designElem xmlns:p16="http://schemas.microsoft.com/office/powerpoint/2015/main" val="1"/>
+                <p16:designElem xmlns:p16="http://schemas.microsoft.com/office/powerpoint/2015/main" xmlns="" val="1"/>
               </p:ext>
             </p:extLst>
           </p:nvPr>
@@ -4977,7 +4992,7 @@
           <p:cNvPr id="7" name="Imagen 6">
             <a:extLst>
               <a:ext uri="{FF2B5EF4-FFF2-40B4-BE49-F238E27FC236}">
-                <a16:creationId xmlns:a16="http://schemas.microsoft.com/office/drawing/2014/main" id="{DD8A94E4-B193-534F-8317-FADAC34ED5C5}"/>
+                <a16:creationId xmlns:a16="http://schemas.microsoft.com/office/drawing/2014/main" xmlns="" id="{DD8A94E4-B193-534F-8317-FADAC34ED5C5}"/>
               </a:ext>
             </a:extLst>
           </p:cNvPr>
@@ -5007,10 +5022,10 @@
           <p:cNvPr id="18" name="Rectangle 17">
             <a:extLst>
               <a:ext uri="{FF2B5EF4-FFF2-40B4-BE49-F238E27FC236}">
-                <a16:creationId xmlns:a16="http://schemas.microsoft.com/office/drawing/2014/main" id="{A74B24B6-E323-4ADA-A090-543CDA975472}"/>
+                <a16:creationId xmlns:a16="http://schemas.microsoft.com/office/drawing/2014/main" xmlns="" id="{A74B24B6-E323-4ADA-A090-543CDA975472}"/>
               </a:ext>
               <a:ext uri="{C183D7F6-B498-43B3-948B-1728B52AA6E4}">
-                <adec:decorative xmlns:adec="http://schemas.microsoft.com/office/drawing/2017/decorative" val="1"/>
+                <adec:decorative xmlns:adec="http://schemas.microsoft.com/office/drawing/2017/decorative" xmlns="" val="1"/>
               </a:ext>
             </a:extLst>
           </p:cNvPr>
@@ -5020,7 +5035,7 @@
           <p:nvPr>
             <p:extLst>
               <p:ext uri="{386F3935-93C4-4BCD-93E2-E3B085C9AB24}">
-                <p16:designElem xmlns:p16="http://schemas.microsoft.com/office/powerpoint/2015/main" val="1"/>
+                <p16:designElem xmlns:p16="http://schemas.microsoft.com/office/powerpoint/2015/main" xmlns="" val="1"/>
               </p:ext>
             </p:extLst>
           </p:nvPr>
@@ -5077,7 +5092,7 @@
           <p:cNvPr id="5" name="Marcador de contenido 4">
             <a:extLst>
               <a:ext uri="{FF2B5EF4-FFF2-40B4-BE49-F238E27FC236}">
-                <a16:creationId xmlns:a16="http://schemas.microsoft.com/office/drawing/2014/main" id="{8D085C41-6B48-E94B-99B5-CE6BCC3CD5E3}"/>
+                <a16:creationId xmlns:a16="http://schemas.microsoft.com/office/drawing/2014/main" xmlns="" id="{8D085C41-6B48-E94B-99B5-CE6BCC3CD5E3}"/>
               </a:ext>
             </a:extLst>
           </p:cNvPr>
@@ -5109,7 +5124,7 @@
           <p:cNvPr id="8" name="CuadroTexto 7">
             <a:extLst>
               <a:ext uri="{FF2B5EF4-FFF2-40B4-BE49-F238E27FC236}">
-                <a16:creationId xmlns:a16="http://schemas.microsoft.com/office/drawing/2014/main" id="{F1D1F0C4-1D23-754B-9007-F6D0615A3D51}"/>
+                <a16:creationId xmlns:a16="http://schemas.microsoft.com/office/drawing/2014/main" xmlns="" id="{F1D1F0C4-1D23-754B-9007-F6D0615A3D51}"/>
               </a:ext>
             </a:extLst>
           </p:cNvPr>
@@ -5156,6 +5171,13 @@
   <p:clrMapOvr>
     <a:masterClrMapping/>
   </p:clrMapOvr>
+  <p:timing>
+    <p:tnLst>
+      <p:par>
+        <p:cTn id="1" dur="indefinite" restart="never" nodeType="tmRoot"/>
+      </p:par>
+    </p:tnLst>
+  </p:timing>
 </p:sld>
 </file>
 
@@ -5189,10 +5211,10 @@
           <p:cNvPr id="15" name="Rectangle 9">
             <a:extLst>
               <a:ext uri="{FF2B5EF4-FFF2-40B4-BE49-F238E27FC236}">
-                <a16:creationId xmlns:a16="http://schemas.microsoft.com/office/drawing/2014/main" id="{0E99ED6D-365F-4CAE-942F-ECA78F74BD7F}"/>
+                <a16:creationId xmlns:a16="http://schemas.microsoft.com/office/drawing/2014/main" xmlns="" id="{0E99ED6D-365F-4CAE-942F-ECA78F74BD7F}"/>
               </a:ext>
               <a:ext uri="{C183D7F6-B498-43B3-948B-1728B52AA6E4}">
-                <adec:decorative xmlns:adec="http://schemas.microsoft.com/office/drawing/2017/decorative" val="1"/>
+                <adec:decorative xmlns:adec="http://schemas.microsoft.com/office/drawing/2017/decorative" xmlns="" val="1"/>
               </a:ext>
             </a:extLst>
           </p:cNvPr>
@@ -5202,7 +5224,7 @@
           <p:nvPr>
             <p:extLst>
               <p:ext uri="{386F3935-93C4-4BCD-93E2-E3B085C9AB24}">
-                <p16:designElem xmlns:p16="http://schemas.microsoft.com/office/powerpoint/2015/main" val="1"/>
+                <p16:designElem xmlns:p16="http://schemas.microsoft.com/office/powerpoint/2015/main" xmlns="" val="1"/>
               </p:ext>
             </p:extLst>
           </p:nvPr>
@@ -5241,57 +5263,25 @@
           </a:fontRef>
         </p:style>
       </p:sp>
-      <p:pic>
-        <p:nvPicPr>
-          <p:cNvPr id="5" name="Marcador de contenido 4">
+      <p:sp>
+        <p:nvSpPr>
+          <p:cNvPr id="12" name="Rectangle 11">
             <a:extLst>
               <a:ext uri="{FF2B5EF4-FFF2-40B4-BE49-F238E27FC236}">
-                <a16:creationId xmlns:a16="http://schemas.microsoft.com/office/drawing/2014/main" id="{AA3E0933-F80A-8A40-8D7C-63CCE5FE1183}"/>
+                <a16:creationId xmlns:a16="http://schemas.microsoft.com/office/drawing/2014/main" xmlns="" id="{9235782D-E7F7-4402-B05E-EE96B8CF5C95}"/>
+              </a:ext>
+              <a:ext uri="{C183D7F6-B498-43B3-948B-1728B52AA6E4}">
+                <adec:decorative xmlns:adec="http://schemas.microsoft.com/office/drawing/2017/decorative" xmlns="" val="1"/>
               </a:ext>
             </a:extLst>
           </p:cNvPr>
-          <p:cNvPicPr>
-            <a:picLocks noGrp="1" noChangeAspect="1"/>
-          </p:cNvPicPr>
-          <p:nvPr>
-            <p:ph idx="1"/>
-          </p:nvPr>
-        </p:nvPicPr>
-        <p:blipFill>
-          <a:blip r:embed="rId2"/>
-          <a:stretch>
-            <a:fillRect/>
-          </a:stretch>
-        </p:blipFill>
-        <p:spPr>
-          <a:xfrm>
-            <a:off x="1202498" y="643466"/>
-            <a:ext cx="5773127" cy="5571067"/>
-          </a:xfrm>
-          <a:prstGeom prst="rect">
-            <a:avLst/>
-          </a:prstGeom>
-        </p:spPr>
-      </p:pic>
-      <p:sp>
-        <p:nvSpPr>
-          <p:cNvPr id="12" name="Rectangle 11">
-            <a:extLst>
-              <a:ext uri="{FF2B5EF4-FFF2-40B4-BE49-F238E27FC236}">
-                <a16:creationId xmlns:a16="http://schemas.microsoft.com/office/drawing/2014/main" id="{9235782D-E7F7-4402-B05E-EE96B8CF5C95}"/>
-              </a:ext>
-              <a:ext uri="{C183D7F6-B498-43B3-948B-1728B52AA6E4}">
-                <adec:decorative xmlns:adec="http://schemas.microsoft.com/office/drawing/2017/decorative" val="1"/>
-              </a:ext>
-            </a:extLst>
-          </p:cNvPr>
           <p:cNvSpPr>
             <a:spLocks noGrp="1" noRot="1" noChangeAspect="1" noMove="1" noResize="1" noEditPoints="1" noAdjustHandles="1" noChangeArrowheads="1" noChangeShapeType="1" noTextEdit="1"/>
           </p:cNvSpPr>
           <p:nvPr>
             <p:extLst>
               <p:ext uri="{386F3935-93C4-4BCD-93E2-E3B085C9AB24}">
-                <p16:designElem xmlns:p16="http://schemas.microsoft.com/office/powerpoint/2015/main" val="1"/>
+                <p16:designElem xmlns:p16="http://schemas.microsoft.com/office/powerpoint/2015/main" xmlns="" val="1"/>
               </p:ext>
             </p:extLst>
           </p:nvPr>
@@ -5333,6 +5323,60 @@
           </a:p>
         </p:txBody>
       </p:sp>
+      <p:pic>
+        <p:nvPicPr>
+          <p:cNvPr id="1026" name="Picture 2"/>
+          <p:cNvPicPr>
+            <a:picLocks noChangeAspect="1" noChangeArrowheads="1"/>
+          </p:cNvPicPr>
+          <p:nvPr/>
+        </p:nvPicPr>
+        <p:blipFill>
+          <a:blip r:embed="rId2">
+            <a:extLst>
+              <a:ext uri="{28A0092B-C50C-407E-A947-70E740481C1C}">
+                <a14:useLocalDpi xmlns:a14="http://schemas.microsoft.com/office/drawing/2010/main" val="0"/>
+              </a:ext>
+            </a:extLst>
+          </a:blip>
+          <a:srcRect/>
+          <a:stretch>
+            <a:fillRect/>
+          </a:stretch>
+        </p:blipFill>
+        <p:spPr bwMode="auto">
+          <a:xfrm>
+            <a:off x="927734" y="431483"/>
+            <a:ext cx="6296026" cy="6149915"/>
+          </a:xfrm>
+          <a:prstGeom prst="rect">
+            <a:avLst/>
+          </a:prstGeom>
+          <a:noFill/>
+          <a:ln>
+            <a:noFill/>
+          </a:ln>
+          <a:extLst>
+            <a:ext uri="{909E8E84-426E-40DD-AFC4-6F175D3DCCD1}">
+              <a14:hiddenFill xmlns:a14="http://schemas.microsoft.com/office/drawing/2010/main">
+                <a:solidFill>
+                  <a:schemeClr val="accent1"/>
+                </a:solidFill>
+              </a14:hiddenFill>
+            </a:ext>
+            <a:ext uri="{91240B29-F687-4F45-9708-019B960494DF}">
+              <a14:hiddenLine xmlns:a14="http://schemas.microsoft.com/office/drawing/2010/main" w="9525">
+                <a:solidFill>
+                  <a:schemeClr val="tx1"/>
+                </a:solidFill>
+                <a:miter lim="800000"/>
+                <a:headEnd/>
+                <a:tailEnd/>
+              </a14:hiddenLine>
+            </a:ext>
+          </a:extLst>
+        </p:spPr>
+      </p:pic>
     </p:spTree>
     <p:extLst>
       <p:ext uri="{BB962C8B-B14F-4D97-AF65-F5344CB8AC3E}">
@@ -5343,6 +5387,13 @@
   <p:clrMapOvr>
     <a:masterClrMapping/>
   </p:clrMapOvr>
+  <p:timing>
+    <p:tnLst>
+      <p:par>
+        <p:cTn id="1" dur="indefinite" restart="never" nodeType="tmRoot"/>
+      </p:par>
+    </p:tnLst>
+  </p:timing>
 </p:sld>
 </file>
 
@@ -5376,10 +5427,10 @@
           <p:cNvPr id="9" name="Rectangle 8">
             <a:extLst>
               <a:ext uri="{FF2B5EF4-FFF2-40B4-BE49-F238E27FC236}">
-                <a16:creationId xmlns:a16="http://schemas.microsoft.com/office/drawing/2014/main" id="{1322BCA3-31C1-4329-B0BA-4748F937B5C0}"/>
+                <a16:creationId xmlns:a16="http://schemas.microsoft.com/office/drawing/2014/main" xmlns="" id="{1322BCA3-31C1-4329-B0BA-4748F937B5C0}"/>
               </a:ext>
               <a:ext uri="{C183D7F6-B498-43B3-948B-1728B52AA6E4}">
-                <adec:decorative xmlns:adec="http://schemas.microsoft.com/office/drawing/2017/decorative" val="1"/>
+                <adec:decorative xmlns:adec="http://schemas.microsoft.com/office/drawing/2017/decorative" xmlns="" val="1"/>
               </a:ext>
             </a:extLst>
           </p:cNvPr>
@@ -5389,7 +5440,7 @@
           <p:nvPr>
             <p:extLst>
               <p:ext uri="{386F3935-93C4-4BCD-93E2-E3B085C9AB24}">
-                <p16:designElem xmlns:p16="http://schemas.microsoft.com/office/powerpoint/2015/main" val="1"/>
+                <p16:designElem xmlns:p16="http://schemas.microsoft.com/office/powerpoint/2015/main" xmlns="" val="1"/>
               </p:ext>
             </p:extLst>
           </p:nvPr>
@@ -5436,10 +5487,10 @@
           <p:cNvPr id="11" name="Rectangle 10">
             <a:extLst>
               <a:ext uri="{FF2B5EF4-FFF2-40B4-BE49-F238E27FC236}">
-                <a16:creationId xmlns:a16="http://schemas.microsoft.com/office/drawing/2014/main" id="{F6C1DD8F-426A-45F7-A524-5569263BE5D0}"/>
+                <a16:creationId xmlns:a16="http://schemas.microsoft.com/office/drawing/2014/main" xmlns="" id="{F6C1DD8F-426A-45F7-A524-5569263BE5D0}"/>
               </a:ext>
               <a:ext uri="{C183D7F6-B498-43B3-948B-1728B52AA6E4}">
-                <adec:decorative xmlns:adec="http://schemas.microsoft.com/office/drawing/2017/decorative" val="1"/>
+                <adec:decorative xmlns:adec="http://schemas.microsoft.com/office/drawing/2017/decorative" xmlns="" val="1"/>
               </a:ext>
             </a:extLst>
           </p:cNvPr>
@@ -5449,7 +5500,7 @@
           <p:nvPr>
             <p:extLst>
               <p:ext uri="{386F3935-93C4-4BCD-93E2-E3B085C9AB24}">
-                <p16:designElem xmlns:p16="http://schemas.microsoft.com/office/powerpoint/2015/main" val="1"/>
+                <p16:designElem xmlns:p16="http://schemas.microsoft.com/office/powerpoint/2015/main" xmlns="" val="1"/>
               </p:ext>
             </p:extLst>
           </p:nvPr>
@@ -5501,10 +5552,10 @@
           <p:cNvPr id="13" name="Rectangle 12">
             <a:extLst>
               <a:ext uri="{FF2B5EF4-FFF2-40B4-BE49-F238E27FC236}">
-                <a16:creationId xmlns:a16="http://schemas.microsoft.com/office/drawing/2014/main" id="{3D65D7AA-A0C8-491E-9211-059F0D299A43}"/>
+                <a16:creationId xmlns:a16="http://schemas.microsoft.com/office/drawing/2014/main" xmlns="" id="{3D65D7AA-A0C8-491E-9211-059F0D299A43}"/>
               </a:ext>
               <a:ext uri="{C183D7F6-B498-43B3-948B-1728B52AA6E4}">
-                <adec:decorative xmlns:adec="http://schemas.microsoft.com/office/drawing/2017/decorative" val="1"/>
+                <adec:decorative xmlns:adec="http://schemas.microsoft.com/office/drawing/2017/decorative" xmlns="" val="1"/>
               </a:ext>
             </a:extLst>
           </p:cNvPr>
@@ -5514,7 +5565,7 @@
           <p:nvPr>
             <p:extLst>
               <p:ext uri="{386F3935-93C4-4BCD-93E2-E3B085C9AB24}">
-                <p16:designElem xmlns:p16="http://schemas.microsoft.com/office/powerpoint/2015/main" val="1"/>
+                <p16:designElem xmlns:p16="http://schemas.microsoft.com/office/powerpoint/2015/main" xmlns="" val="1"/>
               </p:ext>
             </p:extLst>
           </p:nvPr>
@@ -5558,10 +5609,10 @@
           <p:cNvPr id="15" name="Straight Connector 14">
             <a:extLst>
               <a:ext uri="{FF2B5EF4-FFF2-40B4-BE49-F238E27FC236}">
-                <a16:creationId xmlns:a16="http://schemas.microsoft.com/office/drawing/2014/main" id="{98D39CD7-AB20-4006-930C-6368406D01E5}"/>
+                <a16:creationId xmlns:a16="http://schemas.microsoft.com/office/drawing/2014/main" xmlns="" id="{98D39CD7-AB20-4006-930C-6368406D01E5}"/>
               </a:ext>
               <a:ext uri="{C183D7F6-B498-43B3-948B-1728B52AA6E4}">
-                <adec:decorative xmlns:adec="http://schemas.microsoft.com/office/drawing/2017/decorative" val="1"/>
+                <adec:decorative xmlns:adec="http://schemas.microsoft.com/office/drawing/2017/decorative" xmlns="" val="1"/>
               </a:ext>
             </a:extLst>
           </p:cNvPr>
@@ -5571,7 +5622,7 @@
           <p:nvPr>
             <p:extLst>
               <p:ext uri="{386F3935-93C4-4BCD-93E2-E3B085C9AB24}">
-                <p16:designElem xmlns:p16="http://schemas.microsoft.com/office/powerpoint/2015/main" val="1"/>
+                <p16:designElem xmlns:p16="http://schemas.microsoft.com/office/powerpoint/2015/main" xmlns="" val="1"/>
               </p:ext>
             </p:extLst>
           </p:nvPr>
@@ -5809,6 +5860,13 @@
   <p:clrMapOvr>
     <a:overrideClrMapping bg1="lt1" tx1="dk1" bg2="lt2" tx2="dk2" accent1="accent1" accent2="accent2" accent3="accent3" accent4="accent4" accent5="accent5" accent6="accent6" hlink="hlink" folHlink="folHlink"/>
   </p:clrMapOvr>
+  <p:timing>
+    <p:tnLst>
+      <p:par>
+        <p:cTn id="1" dur="indefinite" restart="never" nodeType="tmRoot"/>
+      </p:par>
+    </p:tnLst>
+  </p:timing>
 </p:sld>
 </file>
 
@@ -5842,10 +5900,10 @@
           <p:cNvPr id="11" name="Rectangle 10">
             <a:extLst>
               <a:ext uri="{FF2B5EF4-FFF2-40B4-BE49-F238E27FC236}">
-                <a16:creationId xmlns:a16="http://schemas.microsoft.com/office/drawing/2014/main" id="{30B3D270-B19D-4DB8-BD3C-3E707485B515}"/>
+                <a16:creationId xmlns:a16="http://schemas.microsoft.com/office/drawing/2014/main" xmlns="" id="{30B3D270-B19D-4DB8-BD3C-3E707485B515}"/>
               </a:ext>
               <a:ext uri="{C183D7F6-B498-43B3-948B-1728B52AA6E4}">
-                <adec:decorative xmlns:adec="http://schemas.microsoft.com/office/drawing/2017/decorative" val="1"/>
+                <adec:decorative xmlns:adec="http://schemas.microsoft.com/office/drawing/2017/decorative" xmlns="" val="1"/>
               </a:ext>
             </a:extLst>
           </p:cNvPr>
@@ -5855,7 +5913,7 @@
           <p:nvPr>
             <p:extLst>
               <p:ext uri="{386F3935-93C4-4BCD-93E2-E3B085C9AB24}">
-                <p16:designElem xmlns:p16="http://schemas.microsoft.com/office/powerpoint/2015/main" val="1"/>
+                <p16:designElem xmlns:p16="http://schemas.microsoft.com/office/powerpoint/2015/main" xmlns="" val="1"/>
               </p:ext>
             </p:extLst>
           </p:nvPr>
@@ -5903,10 +5961,10 @@
           <p:cNvPr id="13" name="Rectangle 12">
             <a:extLst>
               <a:ext uri="{FF2B5EF4-FFF2-40B4-BE49-F238E27FC236}">
-                <a16:creationId xmlns:a16="http://schemas.microsoft.com/office/drawing/2014/main" id="{49BDAF94-B52E-4307-B54C-EF413086FC77}"/>
+                <a16:creationId xmlns:a16="http://schemas.microsoft.com/office/drawing/2014/main" xmlns="" id="{49BDAF94-B52E-4307-B54C-EF413086FC77}"/>
               </a:ext>
               <a:ext uri="{C183D7F6-B498-43B3-948B-1728B52AA6E4}">
-                <adec:decorative xmlns:adec="http://schemas.microsoft.com/office/drawing/2017/decorative" val="1"/>
+                <adec:decorative xmlns:adec="http://schemas.microsoft.com/office/drawing/2017/decorative" xmlns="" val="1"/>
               </a:ext>
             </a:extLst>
           </p:cNvPr>
@@ -5916,7 +5974,7 @@
           <p:nvPr>
             <p:extLst>
               <p:ext uri="{386F3935-93C4-4BCD-93E2-E3B085C9AB24}">
-                <p16:designElem xmlns:p16="http://schemas.microsoft.com/office/powerpoint/2015/main" val="1"/>
+                <p16:designElem xmlns:p16="http://schemas.microsoft.com/office/powerpoint/2015/main" xmlns="" val="1"/>
               </p:ext>
             </p:extLst>
           </p:nvPr>
@@ -5993,7 +6051,7 @@
           <p:cNvPr id="3" name="CuadroTexto 2">
             <a:extLst>
               <a:ext uri="{FF2B5EF4-FFF2-40B4-BE49-F238E27FC236}">
-                <a16:creationId xmlns:a16="http://schemas.microsoft.com/office/drawing/2014/main" id="{2C495ECD-7F38-194C-B366-CA2EA1C66183}"/>
+                <a16:creationId xmlns:a16="http://schemas.microsoft.com/office/drawing/2014/main" xmlns="" id="{2C495ECD-7F38-194C-B366-CA2EA1C66183}"/>
               </a:ext>
             </a:extLst>
           </p:cNvPr>
@@ -6047,7 +6105,7 @@
           <p:cNvPr id="8" name="Imagen 7">
             <a:extLst>
               <a:ext uri="{FF2B5EF4-FFF2-40B4-BE49-F238E27FC236}">
-                <a16:creationId xmlns:a16="http://schemas.microsoft.com/office/drawing/2014/main" id="{77002A55-4E4C-BC40-9EE6-C163058F1EE1}"/>
+                <a16:creationId xmlns:a16="http://schemas.microsoft.com/office/drawing/2014/main" xmlns="" id="{77002A55-4E4C-BC40-9EE6-C163058F1EE1}"/>
               </a:ext>
             </a:extLst>
           </p:cNvPr>
@@ -6082,6 +6140,13 @@
   <p:clrMapOvr>
     <a:masterClrMapping/>
   </p:clrMapOvr>
+  <p:timing>
+    <p:tnLst>
+      <p:par>
+        <p:cTn id="1" dur="indefinite" restart="never" nodeType="tmRoot"/>
+      </p:par>
+    </p:tnLst>
+  </p:timing>
 </p:sld>
 </file>
 
@@ -6115,10 +6180,10 @@
           <p:cNvPr id="18" name="Rectangle 17">
             <a:extLst>
               <a:ext uri="{FF2B5EF4-FFF2-40B4-BE49-F238E27FC236}">
-                <a16:creationId xmlns:a16="http://schemas.microsoft.com/office/drawing/2014/main" id="{5D5E0904-721C-4D68-9EB8-1C9752E329A7}"/>
+                <a16:creationId xmlns:a16="http://schemas.microsoft.com/office/drawing/2014/main" xmlns="" id="{5D5E0904-721C-4D68-9EB8-1C9752E329A7}"/>
               </a:ext>
               <a:ext uri="{C183D7F6-B498-43B3-948B-1728B52AA6E4}">
-                <adec:decorative xmlns:adec="http://schemas.microsoft.com/office/drawing/2017/decorative" val="1"/>
+                <adec:decorative xmlns:adec="http://schemas.microsoft.com/office/drawing/2017/decorative" xmlns="" val="1"/>
               </a:ext>
             </a:extLst>
           </p:cNvPr>
@@ -6128,7 +6193,7 @@
           <p:nvPr>
             <p:extLst>
               <p:ext uri="{386F3935-93C4-4BCD-93E2-E3B085C9AB24}">
-                <p16:designElem xmlns:p16="http://schemas.microsoft.com/office/powerpoint/2015/main" val="1"/>
+                <p16:designElem xmlns:p16="http://schemas.microsoft.com/office/powerpoint/2015/main" xmlns="" val="1"/>
               </p:ext>
             </p:extLst>
           </p:nvPr>
@@ -6170,10 +6235,10 @@
           <p:cNvPr id="20" name="Rectangle 19">
             <a:extLst>
               <a:ext uri="{FF2B5EF4-FFF2-40B4-BE49-F238E27FC236}">
-                <a16:creationId xmlns:a16="http://schemas.microsoft.com/office/drawing/2014/main" id="{E2C05438-8975-4783-BCC7-9A4F0BD17978}"/>
+                <a16:creationId xmlns:a16="http://schemas.microsoft.com/office/drawing/2014/main" xmlns="" id="{E2C05438-8975-4783-BCC7-9A4F0BD17978}"/>
               </a:ext>
               <a:ext uri="{C183D7F6-B498-43B3-948B-1728B52AA6E4}">
-                <adec:decorative xmlns:adec="http://schemas.microsoft.com/office/drawing/2017/decorative" val="1"/>
+                <adec:decorative xmlns:adec="http://schemas.microsoft.com/office/drawing/2017/decorative" xmlns="" val="1"/>
               </a:ext>
             </a:extLst>
           </p:cNvPr>
@@ -6183,7 +6248,7 @@
           <p:nvPr>
             <p:extLst>
               <p:ext uri="{386F3935-93C4-4BCD-93E2-E3B085C9AB24}">
-                <p16:designElem xmlns:p16="http://schemas.microsoft.com/office/powerpoint/2015/main" val="1"/>
+                <p16:designElem xmlns:p16="http://schemas.microsoft.com/office/powerpoint/2015/main" xmlns="" val="1"/>
               </p:ext>
             </p:extLst>
           </p:nvPr>
@@ -6233,10 +6298,10 @@
           <p:cNvPr id="22" name="Rectangle 21">
             <a:extLst>
               <a:ext uri="{FF2B5EF4-FFF2-40B4-BE49-F238E27FC236}">
-                <a16:creationId xmlns:a16="http://schemas.microsoft.com/office/drawing/2014/main" id="{DF0ACCC9-A5C0-44FC-9472-E3E4BF4B41A7}"/>
+                <a16:creationId xmlns:a16="http://schemas.microsoft.com/office/drawing/2014/main" xmlns="" id="{DF0ACCC9-A5C0-44FC-9472-E3E4BF4B41A7}"/>
               </a:ext>
               <a:ext uri="{C183D7F6-B498-43B3-948B-1728B52AA6E4}">
-                <adec:decorative xmlns:adec="http://schemas.microsoft.com/office/drawing/2017/decorative" val="1"/>
+                <adec:decorative xmlns:adec="http://schemas.microsoft.com/office/drawing/2017/decorative" xmlns="" val="1"/>
               </a:ext>
             </a:extLst>
           </p:cNvPr>
@@ -6246,7 +6311,7 @@
           <p:nvPr>
             <p:extLst>
               <p:ext uri="{386F3935-93C4-4BCD-93E2-E3B085C9AB24}">
-                <p16:designElem xmlns:p16="http://schemas.microsoft.com/office/powerpoint/2015/main" val="1"/>
+                <p16:designElem xmlns:p16="http://schemas.microsoft.com/office/powerpoint/2015/main" xmlns="" val="1"/>
               </p:ext>
             </p:extLst>
           </p:nvPr>
@@ -6288,10 +6353,10 @@
           <p:cNvPr id="24" name="Rectangle 23">
             <a:extLst>
               <a:ext uri="{FF2B5EF4-FFF2-40B4-BE49-F238E27FC236}">
-                <a16:creationId xmlns:a16="http://schemas.microsoft.com/office/drawing/2014/main" id="{E8B8E8AE-1882-46F3-94E7-A2A39149475C}"/>
+                <a16:creationId xmlns:a16="http://schemas.microsoft.com/office/drawing/2014/main" xmlns="" id="{E8B8E8AE-1882-46F3-94E7-A2A39149475C}"/>
               </a:ext>
               <a:ext uri="{C183D7F6-B498-43B3-948B-1728B52AA6E4}">
-                <adec:decorative xmlns:adec="http://schemas.microsoft.com/office/drawing/2017/decorative" val="1"/>
+                <adec:decorative xmlns:adec="http://schemas.microsoft.com/office/drawing/2017/decorative" xmlns="" val="1"/>
               </a:ext>
             </a:extLst>
           </p:cNvPr>
@@ -6301,7 +6366,7 @@
           <p:nvPr>
             <p:extLst>
               <p:ext uri="{386F3935-93C4-4BCD-93E2-E3B085C9AB24}">
-                <p16:designElem xmlns:p16="http://schemas.microsoft.com/office/powerpoint/2015/main" val="1"/>
+                <p16:designElem xmlns:p16="http://schemas.microsoft.com/office/powerpoint/2015/main" xmlns="" val="1"/>
               </p:ext>
             </p:extLst>
           </p:nvPr>
@@ -6348,7 +6413,7 @@
           <p:cNvPr id="5" name="Imagen 4">
             <a:extLst>
               <a:ext uri="{FF2B5EF4-FFF2-40B4-BE49-F238E27FC236}">
-                <a16:creationId xmlns:a16="http://schemas.microsoft.com/office/drawing/2014/main" id="{8725C3EE-D0DB-FD47-9830-2CA4F73FF2E5}"/>
+                <a16:creationId xmlns:a16="http://schemas.microsoft.com/office/drawing/2014/main" xmlns="" id="{8725C3EE-D0DB-FD47-9830-2CA4F73FF2E5}"/>
               </a:ext>
             </a:extLst>
           </p:cNvPr>
@@ -6378,10 +6443,10 @@
           <p:cNvPr id="26" name="Rectangle 25">
             <a:extLst>
               <a:ext uri="{FF2B5EF4-FFF2-40B4-BE49-F238E27FC236}">
-                <a16:creationId xmlns:a16="http://schemas.microsoft.com/office/drawing/2014/main" id="{F5AE0C4B-4D5E-48B0-929B-038F7E948410}"/>
+                <a16:creationId xmlns:a16="http://schemas.microsoft.com/office/drawing/2014/main" xmlns="" id="{F5AE0C4B-4D5E-48B0-929B-038F7E948410}"/>
               </a:ext>
               <a:ext uri="{C183D7F6-B498-43B3-948B-1728B52AA6E4}">
-                <adec:decorative xmlns:adec="http://schemas.microsoft.com/office/drawing/2017/decorative" val="1"/>
+                <adec:decorative xmlns:adec="http://schemas.microsoft.com/office/drawing/2017/decorative" xmlns="" val="1"/>
               </a:ext>
             </a:extLst>
           </p:cNvPr>
@@ -6391,7 +6456,7 @@
           <p:nvPr>
             <p:extLst>
               <p:ext uri="{386F3935-93C4-4BCD-93E2-E3B085C9AB24}">
-                <p16:designElem xmlns:p16="http://schemas.microsoft.com/office/powerpoint/2015/main" val="1"/>
+                <p16:designElem xmlns:p16="http://schemas.microsoft.com/office/powerpoint/2015/main" xmlns="" val="1"/>
               </p:ext>
             </p:extLst>
           </p:nvPr>
@@ -6515,7 +6580,7 @@
           <p:cNvPr id="6" name="CuadroTexto 5">
             <a:extLst>
               <a:ext uri="{FF2B5EF4-FFF2-40B4-BE49-F238E27FC236}">
-                <a16:creationId xmlns:a16="http://schemas.microsoft.com/office/drawing/2014/main" id="{CB1944C5-8F70-FC47-852A-1C508B279AB4}"/>
+                <a16:creationId xmlns:a16="http://schemas.microsoft.com/office/drawing/2014/main" xmlns="" id="{CB1944C5-8F70-FC47-852A-1C508B279AB4}"/>
               </a:ext>
             </a:extLst>
           </p:cNvPr>
@@ -6559,7 +6624,7 @@
           <p:cNvPr id="8" name="Imagen 7">
             <a:extLst>
               <a:ext uri="{FF2B5EF4-FFF2-40B4-BE49-F238E27FC236}">
-                <a16:creationId xmlns:a16="http://schemas.microsoft.com/office/drawing/2014/main" id="{9C8CCD3D-429C-C842-A265-71851FA97EF2}"/>
+                <a16:creationId xmlns:a16="http://schemas.microsoft.com/office/drawing/2014/main" xmlns="" id="{9C8CCD3D-429C-C842-A265-71851FA97EF2}"/>
               </a:ext>
             </a:extLst>
           </p:cNvPr>
@@ -6594,6 +6659,13 @@
   <p:clrMapOvr>
     <a:masterClrMapping/>
   </p:clrMapOvr>
+  <p:timing>
+    <p:tnLst>
+      <p:par>
+        <p:cTn id="1" dur="indefinite" restart="never" nodeType="tmRoot"/>
+      </p:par>
+    </p:tnLst>
+  </p:timing>
 </p:sld>
 </file>
 
@@ -6629,10 +6701,10 @@
           <p:cNvPr id="21" name="Rectangle 20">
             <a:extLst>
               <a:ext uri="{FF2B5EF4-FFF2-40B4-BE49-F238E27FC236}">
-                <a16:creationId xmlns:a16="http://schemas.microsoft.com/office/drawing/2014/main" id="{323D50B8-1D27-420D-BA4A-249914120C5D}"/>
+                <a16:creationId xmlns:a16="http://schemas.microsoft.com/office/drawing/2014/main" xmlns="" id="{323D50B8-1D27-420D-BA4A-249914120C5D}"/>
               </a:ext>
               <a:ext uri="{C183D7F6-B498-43B3-948B-1728B52AA6E4}">
-                <adec:decorative xmlns:adec="http://schemas.microsoft.com/office/drawing/2017/decorative" val="1"/>
+                <adec:decorative xmlns:adec="http://schemas.microsoft.com/office/drawing/2017/decorative" xmlns="" val="1"/>
               </a:ext>
             </a:extLst>
           </p:cNvPr>
@@ -6642,7 +6714,7 @@
           <p:nvPr>
             <p:extLst>
               <p:ext uri="{386F3935-93C4-4BCD-93E2-E3B085C9AB24}">
-                <p16:designElem xmlns:p16="http://schemas.microsoft.com/office/powerpoint/2015/main" val="1"/>
+                <p16:designElem xmlns:p16="http://schemas.microsoft.com/office/powerpoint/2015/main" xmlns="" val="1"/>
               </p:ext>
             </p:extLst>
           </p:nvPr>
@@ -6684,10 +6756,10 @@
           <p:cNvPr id="23" name="Rectangle 22">
             <a:extLst>
               <a:ext uri="{FF2B5EF4-FFF2-40B4-BE49-F238E27FC236}">
-                <a16:creationId xmlns:a16="http://schemas.microsoft.com/office/drawing/2014/main" id="{2EFBB176-B6C1-4B5A-AADA-F930947E09CC}"/>
+                <a16:creationId xmlns:a16="http://schemas.microsoft.com/office/drawing/2014/main" xmlns="" id="{2EFBB176-B6C1-4B5A-AADA-F930947E09CC}"/>
               </a:ext>
               <a:ext uri="{C183D7F6-B498-43B3-948B-1728B52AA6E4}">
-                <adec:decorative xmlns:adec="http://schemas.microsoft.com/office/drawing/2017/decorative" val="1"/>
+                <adec:decorative xmlns:adec="http://schemas.microsoft.com/office/drawing/2017/decorative" xmlns="" val="1"/>
               </a:ext>
             </a:extLst>
           </p:cNvPr>
@@ -6697,7 +6769,7 @@
           <p:nvPr>
             <p:extLst>
               <p:ext uri="{386F3935-93C4-4BCD-93E2-E3B085C9AB24}">
-                <p16:designElem xmlns:p16="http://schemas.microsoft.com/office/powerpoint/2015/main" val="1"/>
+                <p16:designElem xmlns:p16="http://schemas.microsoft.com/office/powerpoint/2015/main" xmlns="" val="1"/>
               </p:ext>
             </p:extLst>
           </p:nvPr>
@@ -6739,10 +6811,10 @@
           <p:cNvPr id="25" name="Rectangle 24">
             <a:extLst>
               <a:ext uri="{FF2B5EF4-FFF2-40B4-BE49-F238E27FC236}">
-                <a16:creationId xmlns:a16="http://schemas.microsoft.com/office/drawing/2014/main" id="{918CDC34-0F26-409D-B10F-578D4DCC46DE}"/>
+                <a16:creationId xmlns:a16="http://schemas.microsoft.com/office/drawing/2014/main" xmlns="" id="{918CDC34-0F26-409D-B10F-578D4DCC46DE}"/>
               </a:ext>
               <a:ext uri="{C183D7F6-B498-43B3-948B-1728B52AA6E4}">
-                <adec:decorative xmlns:adec="http://schemas.microsoft.com/office/drawing/2017/decorative" val="1"/>
+                <adec:decorative xmlns:adec="http://schemas.microsoft.com/office/drawing/2017/decorative" xmlns="" val="1"/>
               </a:ext>
             </a:extLst>
           </p:cNvPr>
@@ -6752,7 +6824,7 @@
           <p:nvPr>
             <p:extLst>
               <p:ext uri="{386F3935-93C4-4BCD-93E2-E3B085C9AB24}">
-                <p16:designElem xmlns:p16="http://schemas.microsoft.com/office/powerpoint/2015/main" val="1"/>
+                <p16:designElem xmlns:p16="http://schemas.microsoft.com/office/powerpoint/2015/main" xmlns="" val="1"/>
               </p:ext>
             </p:extLst>
           </p:nvPr>
@@ -6791,7 +6863,7 @@
           <p:cNvPr id="16" name="Imagen 15">
             <a:extLst>
               <a:ext uri="{FF2B5EF4-FFF2-40B4-BE49-F238E27FC236}">
-                <a16:creationId xmlns:a16="http://schemas.microsoft.com/office/drawing/2014/main" id="{E61A9C4F-D704-5F47-A48F-EA6125DC1F99}"/>
+                <a16:creationId xmlns:a16="http://schemas.microsoft.com/office/drawing/2014/main" xmlns="" id="{E61A9C4F-D704-5F47-A48F-EA6125DC1F99}"/>
               </a:ext>
             </a:extLst>
           </p:cNvPr>
@@ -6821,7 +6893,7 @@
           <p:cNvPr id="19" name="CuadroTexto 18">
             <a:extLst>
               <a:ext uri="{FF2B5EF4-FFF2-40B4-BE49-F238E27FC236}">
-                <a16:creationId xmlns:a16="http://schemas.microsoft.com/office/drawing/2014/main" id="{77E1A0D0-6D48-FE47-93F1-1BC67121F4B1}"/>
+                <a16:creationId xmlns:a16="http://schemas.microsoft.com/office/drawing/2014/main" xmlns="" id="{77E1A0D0-6D48-FE47-93F1-1BC67121F4B1}"/>
               </a:ext>
             </a:extLst>
           </p:cNvPr>
@@ -6856,7 +6928,7 @@
           <p:cNvPr id="22" name="Imagen 21">
             <a:extLst>
               <a:ext uri="{FF2B5EF4-FFF2-40B4-BE49-F238E27FC236}">
-                <a16:creationId xmlns:a16="http://schemas.microsoft.com/office/drawing/2014/main" id="{1DCBEBB8-B223-014C-A8E6-7E74845DCF3F}"/>
+                <a16:creationId xmlns:a16="http://schemas.microsoft.com/office/drawing/2014/main" xmlns="" id="{1DCBEBB8-B223-014C-A8E6-7E74845DCF3F}"/>
               </a:ext>
             </a:extLst>
           </p:cNvPr>
@@ -6886,7 +6958,7 @@
           <p:cNvPr id="24" name="CuadroTexto 23">
             <a:extLst>
               <a:ext uri="{FF2B5EF4-FFF2-40B4-BE49-F238E27FC236}">
-                <a16:creationId xmlns:a16="http://schemas.microsoft.com/office/drawing/2014/main" id="{48F0E967-8C30-9A4E-A0C1-FC1388A54C3D}"/>
+                <a16:creationId xmlns:a16="http://schemas.microsoft.com/office/drawing/2014/main" xmlns="" id="{48F0E967-8C30-9A4E-A0C1-FC1388A54C3D}"/>
               </a:ext>
             </a:extLst>
           </p:cNvPr>
@@ -6926,6 +6998,13 @@
   <p:clrMapOvr>
     <a:masterClrMapping/>
   </p:clrMapOvr>
+  <p:timing>
+    <p:tnLst>
+      <p:par>
+        <p:cTn id="1" dur="indefinite" restart="never" nodeType="tmRoot"/>
+      </p:par>
+    </p:tnLst>
+  </p:timing>
 </p:sld>
 </file>
 
@@ -6959,10 +7038,10 @@
           <p:cNvPr id="9" name="Rectangle 8">
             <a:extLst>
               <a:ext uri="{FF2B5EF4-FFF2-40B4-BE49-F238E27FC236}">
-                <a16:creationId xmlns:a16="http://schemas.microsoft.com/office/drawing/2014/main" id="{F112E318-8843-4FBA-9CB8-AC44622DE78F}"/>
+                <a16:creationId xmlns:a16="http://schemas.microsoft.com/office/drawing/2014/main" xmlns="" id="{F112E318-8843-4FBA-9CB8-AC44622DE78F}"/>
               </a:ext>
               <a:ext uri="{C183D7F6-B498-43B3-948B-1728B52AA6E4}">
-                <adec:decorative xmlns:adec="http://schemas.microsoft.com/office/drawing/2017/decorative" val="1"/>
+                <adec:decorative xmlns:adec="http://schemas.microsoft.com/office/drawing/2017/decorative" xmlns="" val="1"/>
               </a:ext>
             </a:extLst>
           </p:cNvPr>
@@ -6972,7 +7051,7 @@
           <p:nvPr>
             <p:extLst>
               <p:ext uri="{386F3935-93C4-4BCD-93E2-E3B085C9AB24}">
-                <p16:designElem xmlns:p16="http://schemas.microsoft.com/office/powerpoint/2015/main" val="1"/>
+                <p16:designElem xmlns:p16="http://schemas.microsoft.com/office/powerpoint/2015/main" xmlns="" val="1"/>
               </p:ext>
             </p:extLst>
           </p:nvPr>
@@ -7022,10 +7101,10 @@
           <p:cNvPr id="11" name="Rectangle 10">
             <a:extLst>
               <a:ext uri="{FF2B5EF4-FFF2-40B4-BE49-F238E27FC236}">
-                <a16:creationId xmlns:a16="http://schemas.microsoft.com/office/drawing/2014/main" id="{095418D5-11A6-457F-8BCD-5160B33D6935}"/>
+                <a16:creationId xmlns:a16="http://schemas.microsoft.com/office/drawing/2014/main" xmlns="" id="{095418D5-11A6-457F-8BCD-5160B33D6935}"/>
               </a:ext>
               <a:ext uri="{C183D7F6-B498-43B3-948B-1728B52AA6E4}">
-                <adec:decorative xmlns:adec="http://schemas.microsoft.com/office/drawing/2017/decorative" val="1"/>
+                <adec:decorative xmlns:adec="http://schemas.microsoft.com/office/drawing/2017/decorative" xmlns="" val="1"/>
               </a:ext>
             </a:extLst>
           </p:cNvPr>
@@ -7035,7 +7114,7 @@
           <p:nvPr>
             <p:extLst>
               <p:ext uri="{386F3935-93C4-4BCD-93E2-E3B085C9AB24}">
-                <p16:designElem xmlns:p16="http://schemas.microsoft.com/office/powerpoint/2015/main" val="1"/>
+                <p16:designElem xmlns:p16="http://schemas.microsoft.com/office/powerpoint/2015/main" xmlns="" val="1"/>
               </p:ext>
             </p:extLst>
           </p:nvPr>
@@ -7087,10 +7166,10 @@
           <p:cNvPr id="13" name="Rectangle 12">
             <a:extLst>
               <a:ext uri="{FF2B5EF4-FFF2-40B4-BE49-F238E27FC236}">
-                <a16:creationId xmlns:a16="http://schemas.microsoft.com/office/drawing/2014/main" id="{D61E5C3D-6980-43E1-B38A-365BF0E6E3F3}"/>
+                <a16:creationId xmlns:a16="http://schemas.microsoft.com/office/drawing/2014/main" xmlns="" id="{D61E5C3D-6980-43E1-B38A-365BF0E6E3F3}"/>
               </a:ext>
               <a:ext uri="{C183D7F6-B498-43B3-948B-1728B52AA6E4}">
-                <adec:decorative xmlns:adec="http://schemas.microsoft.com/office/drawing/2017/decorative" val="1"/>
+                <adec:decorative xmlns:adec="http://schemas.microsoft.com/office/drawing/2017/decorative" xmlns="" val="1"/>
               </a:ext>
             </a:extLst>
           </p:cNvPr>
@@ -7100,7 +7179,7 @@
           <p:nvPr>
             <p:extLst>
               <p:ext uri="{386F3935-93C4-4BCD-93E2-E3B085C9AB24}">
-                <p16:designElem xmlns:p16="http://schemas.microsoft.com/office/powerpoint/2015/main" val="1"/>
+                <p16:designElem xmlns:p16="http://schemas.microsoft.com/office/powerpoint/2015/main" xmlns="" val="1"/>
               </p:ext>
             </p:extLst>
           </p:nvPr>
@@ -7186,7 +7265,7 @@
           <p:cNvPr id="5" name="Marcador de contenido 4">
             <a:extLst>
               <a:ext uri="{FF2B5EF4-FFF2-40B4-BE49-F238E27FC236}">
-                <a16:creationId xmlns:a16="http://schemas.microsoft.com/office/drawing/2014/main" id="{D585D856-7B08-7442-A3EF-42F393A23BA8}"/>
+                <a16:creationId xmlns:a16="http://schemas.microsoft.com/office/drawing/2014/main" xmlns="" id="{D585D856-7B08-7442-A3EF-42F393A23BA8}"/>
               </a:ext>
             </a:extLst>
           </p:cNvPr>
@@ -7215,7 +7294,7 @@
           <p:cNvPr id="7" name="Imagen 6">
             <a:extLst>
               <a:ext uri="{FF2B5EF4-FFF2-40B4-BE49-F238E27FC236}">
-                <a16:creationId xmlns:a16="http://schemas.microsoft.com/office/drawing/2014/main" id="{3B93F8B1-9923-4642-B4F8-3237D89053FE}"/>
+                <a16:creationId xmlns:a16="http://schemas.microsoft.com/office/drawing/2014/main" xmlns="" id="{3B93F8B1-9923-4642-B4F8-3237D89053FE}"/>
               </a:ext>
             </a:extLst>
           </p:cNvPr>
@@ -7257,7 +7336,7 @@
           <p:cNvPr id="10" name="Imagen 9">
             <a:extLst>
               <a:ext uri="{FF2B5EF4-FFF2-40B4-BE49-F238E27FC236}">
-                <a16:creationId xmlns:a16="http://schemas.microsoft.com/office/drawing/2014/main" id="{507C33CF-6BE7-3047-B75B-20456FBC76D0}"/>
+                <a16:creationId xmlns:a16="http://schemas.microsoft.com/office/drawing/2014/main" xmlns="" id="{507C33CF-6BE7-3047-B75B-20456FBC76D0}"/>
               </a:ext>
             </a:extLst>
           </p:cNvPr>
@@ -7292,6 +7371,13 @@
   <p:clrMapOvr>
     <a:masterClrMapping/>
   </p:clrMapOvr>
+  <p:timing>
+    <p:tnLst>
+      <p:par>
+        <p:cTn id="1" dur="indefinite" restart="never" nodeType="tmRoot"/>
+      </p:par>
+    </p:tnLst>
+  </p:timing>
 </p:sld>
 </file>
 
@@ -7325,7 +7411,7 @@
           <p:cNvPr id="16" name="Marcador de contenido 4">
             <a:extLst>
               <a:ext uri="{FF2B5EF4-FFF2-40B4-BE49-F238E27FC236}">
-                <a16:creationId xmlns:a16="http://schemas.microsoft.com/office/drawing/2014/main" id="{6F8BA791-8EC0-3843-91D3-106D25719AA1}"/>
+                <a16:creationId xmlns:a16="http://schemas.microsoft.com/office/drawing/2014/main" xmlns="" id="{6F8BA791-8EC0-3843-91D3-106D25719AA1}"/>
               </a:ext>
             </a:extLst>
           </p:cNvPr>
@@ -7355,10 +7441,10 @@
           <p:cNvPr id="21" name="Rectangle 20">
             <a:extLst>
               <a:ext uri="{FF2B5EF4-FFF2-40B4-BE49-F238E27FC236}">
-                <a16:creationId xmlns:a16="http://schemas.microsoft.com/office/drawing/2014/main" id="{60694156-B30C-4AE1-9886-0D236EC0195B}"/>
+                <a16:creationId xmlns:a16="http://schemas.microsoft.com/office/drawing/2014/main" xmlns="" id="{60694156-B30C-4AE1-9886-0D236EC0195B}"/>
               </a:ext>
               <a:ext uri="{C183D7F6-B498-43B3-948B-1728B52AA6E4}">
-                <adec:decorative xmlns:adec="http://schemas.microsoft.com/office/drawing/2017/decorative" val="1"/>
+                <adec:decorative xmlns:adec="http://schemas.microsoft.com/office/drawing/2017/decorative" xmlns="" val="1"/>
               </a:ext>
             </a:extLst>
           </p:cNvPr>
@@ -7368,7 +7454,7 @@
           <p:nvPr>
             <p:extLst>
               <p:ext uri="{386F3935-93C4-4BCD-93E2-E3B085C9AB24}">
-                <p16:designElem xmlns:p16="http://schemas.microsoft.com/office/powerpoint/2015/main" val="1"/>
+                <p16:designElem xmlns:p16="http://schemas.microsoft.com/office/powerpoint/2015/main" xmlns="" val="1"/>
               </p:ext>
             </p:extLst>
           </p:nvPr>
@@ -7413,7 +7499,7 @@
           <p:cNvPr id="18" name="Content Placeholder 17">
             <a:extLst>
               <a:ext uri="{FF2B5EF4-FFF2-40B4-BE49-F238E27FC236}">
-                <a16:creationId xmlns:a16="http://schemas.microsoft.com/office/drawing/2014/main" id="{AA14468C-86D3-4C0D-9975-526007315273}"/>
+                <a16:creationId xmlns:a16="http://schemas.microsoft.com/office/drawing/2014/main" xmlns="" id="{AA14468C-86D3-4C0D-9975-526007315273}"/>
               </a:ext>
             </a:extLst>
           </p:cNvPr>
@@ -7466,7 +7552,7 @@
           <p:cNvPr id="5" name="CuadroTexto 4">
             <a:extLst>
               <a:ext uri="{FF2B5EF4-FFF2-40B4-BE49-F238E27FC236}">
-                <a16:creationId xmlns:a16="http://schemas.microsoft.com/office/drawing/2014/main" id="{9545A01E-01AC-1C47-AD66-7E71E410FF45}"/>
+                <a16:creationId xmlns:a16="http://schemas.microsoft.com/office/drawing/2014/main" xmlns="" id="{9545A01E-01AC-1C47-AD66-7E71E410FF45}"/>
               </a:ext>
             </a:extLst>
           </p:cNvPr>
@@ -7539,6 +7625,13 @@
   <p:clrMapOvr>
     <a:masterClrMapping/>
   </p:clrMapOvr>
+  <p:timing>
+    <p:tnLst>
+      <p:par>
+        <p:cTn id="1" dur="indefinite" restart="never" nodeType="tmRoot"/>
+      </p:par>
+    </p:tnLst>
+  </p:timing>
 </p:sld>
 </file>
 
@@ -7572,10 +7665,10 @@
           <p:cNvPr id="9" name="Rectangle 8">
             <a:extLst>
               <a:ext uri="{FF2B5EF4-FFF2-40B4-BE49-F238E27FC236}">
-                <a16:creationId xmlns:a16="http://schemas.microsoft.com/office/drawing/2014/main" id="{F112E318-8843-4FBA-9CB8-AC44622DE78F}"/>
+                <a16:creationId xmlns:a16="http://schemas.microsoft.com/office/drawing/2014/main" xmlns="" id="{F112E318-8843-4FBA-9CB8-AC44622DE78F}"/>
               </a:ext>
               <a:ext uri="{C183D7F6-B498-43B3-948B-1728B52AA6E4}">
-                <adec:decorative xmlns:adec="http://schemas.microsoft.com/office/drawing/2017/decorative" val="1"/>
+                <adec:decorative xmlns:adec="http://schemas.microsoft.com/office/drawing/2017/decorative" xmlns="" val="1"/>
               </a:ext>
             </a:extLst>
           </p:cNvPr>
@@ -7585,7 +7678,7 @@
           <p:nvPr>
             <p:extLst>
               <p:ext uri="{386F3935-93C4-4BCD-93E2-E3B085C9AB24}">
-                <p16:designElem xmlns:p16="http://schemas.microsoft.com/office/powerpoint/2015/main" val="1"/>
+                <p16:designElem xmlns:p16="http://schemas.microsoft.com/office/powerpoint/2015/main" xmlns="" val="1"/>
               </p:ext>
             </p:extLst>
           </p:nvPr>
@@ -7635,10 +7728,10 @@
           <p:cNvPr id="11" name="Rectangle 10">
             <a:extLst>
               <a:ext uri="{FF2B5EF4-FFF2-40B4-BE49-F238E27FC236}">
-                <a16:creationId xmlns:a16="http://schemas.microsoft.com/office/drawing/2014/main" id="{095418D5-11A6-457F-8BCD-5160B33D6935}"/>
+                <a16:creationId xmlns:a16="http://schemas.microsoft.com/office/drawing/2014/main" xmlns="" id="{095418D5-11A6-457F-8BCD-5160B33D6935}"/>
               </a:ext>
               <a:ext uri="{C183D7F6-B498-43B3-948B-1728B52AA6E4}">
-                <adec:decorative xmlns:adec="http://schemas.microsoft.com/office/drawing/2017/decorative" val="1"/>
+                <adec:decorative xmlns:adec="http://schemas.microsoft.com/office/drawing/2017/decorative" xmlns="" val="1"/>
               </a:ext>
             </a:extLst>
           </p:cNvPr>
@@ -7648,7 +7741,7 @@
           <p:nvPr>
             <p:extLst>
               <p:ext uri="{386F3935-93C4-4BCD-93E2-E3B085C9AB24}">
-                <p16:designElem xmlns:p16="http://schemas.microsoft.com/office/powerpoint/2015/main" val="1"/>
+                <p16:designElem xmlns:p16="http://schemas.microsoft.com/office/powerpoint/2015/main" xmlns="" val="1"/>
               </p:ext>
             </p:extLst>
           </p:nvPr>
@@ -7700,10 +7793,10 @@
           <p:cNvPr id="13" name="Rectangle 12">
             <a:extLst>
               <a:ext uri="{FF2B5EF4-FFF2-40B4-BE49-F238E27FC236}">
-                <a16:creationId xmlns:a16="http://schemas.microsoft.com/office/drawing/2014/main" id="{D61E5C3D-6980-43E1-B38A-365BF0E6E3F3}"/>
+                <a16:creationId xmlns:a16="http://schemas.microsoft.com/office/drawing/2014/main" xmlns="" id="{D61E5C3D-6980-43E1-B38A-365BF0E6E3F3}"/>
               </a:ext>
               <a:ext uri="{C183D7F6-B498-43B3-948B-1728B52AA6E4}">
-                <adec:decorative xmlns:adec="http://schemas.microsoft.com/office/drawing/2017/decorative" val="1"/>
+                <adec:decorative xmlns:adec="http://schemas.microsoft.com/office/drawing/2017/decorative" xmlns="" val="1"/>
               </a:ext>
             </a:extLst>
           </p:cNvPr>
@@ -7713,7 +7806,7 @@
           <p:nvPr>
             <p:extLst>
               <p:ext uri="{386F3935-93C4-4BCD-93E2-E3B085C9AB24}">
-                <p16:designElem xmlns:p16="http://schemas.microsoft.com/office/powerpoint/2015/main" val="1"/>
+                <p16:designElem xmlns:p16="http://schemas.microsoft.com/office/powerpoint/2015/main" xmlns="" val="1"/>
               </p:ext>
             </p:extLst>
           </p:nvPr>
@@ -7799,7 +7892,7 @@
           <p:cNvPr id="7" name="Imagen 6">
             <a:extLst>
               <a:ext uri="{FF2B5EF4-FFF2-40B4-BE49-F238E27FC236}">
-                <a16:creationId xmlns:a16="http://schemas.microsoft.com/office/drawing/2014/main" id="{18718EBD-23D5-1C4D-886C-921FD499D179}"/>
+                <a16:creationId xmlns:a16="http://schemas.microsoft.com/office/drawing/2014/main" xmlns="" id="{18718EBD-23D5-1C4D-886C-921FD499D179}"/>
               </a:ext>
             </a:extLst>
           </p:cNvPr>
@@ -7829,7 +7922,7 @@
           <p:cNvPr id="12" name="CuadroTexto 11">
             <a:extLst>
               <a:ext uri="{FF2B5EF4-FFF2-40B4-BE49-F238E27FC236}">
-                <a16:creationId xmlns:a16="http://schemas.microsoft.com/office/drawing/2014/main" id="{1DB708F4-FCFD-2E44-89E9-14854B5DA07F}"/>
+                <a16:creationId xmlns:a16="http://schemas.microsoft.com/office/drawing/2014/main" xmlns="" id="{1DB708F4-FCFD-2E44-89E9-14854B5DA07F}"/>
               </a:ext>
             </a:extLst>
           </p:cNvPr>
@@ -7884,6 +7977,13 @@
   <p:clrMapOvr>
     <a:masterClrMapping/>
   </p:clrMapOvr>
+  <p:timing>
+    <p:tnLst>
+      <p:par>
+        <p:cTn id="1" dur="indefinite" restart="never" nodeType="tmRoot"/>
+      </p:par>
+    </p:tnLst>
+  </p:timing>
 </p:sld>
 </file>
 
@@ -7917,7 +8017,7 @@
           <p:cNvPr id="10" name="Imagen 9">
             <a:extLst>
               <a:ext uri="{FF2B5EF4-FFF2-40B4-BE49-F238E27FC236}">
-                <a16:creationId xmlns:a16="http://schemas.microsoft.com/office/drawing/2014/main" id="{C7CAC08E-399F-284C-9908-6A894B5E8945}"/>
+                <a16:creationId xmlns:a16="http://schemas.microsoft.com/office/drawing/2014/main" xmlns="" id="{C7CAC08E-399F-284C-9908-6A894B5E8945}"/>
               </a:ext>
             </a:extLst>
           </p:cNvPr>
@@ -7946,10 +8046,10 @@
           <p:cNvPr id="18" name="Rectangle 17">
             <a:extLst>
               <a:ext uri="{FF2B5EF4-FFF2-40B4-BE49-F238E27FC236}">
-                <a16:creationId xmlns:a16="http://schemas.microsoft.com/office/drawing/2014/main" id="{0B67D982-25C5-4CC2-AA64-276BE3B2CA75}"/>
+                <a16:creationId xmlns:a16="http://schemas.microsoft.com/office/drawing/2014/main" xmlns="" id="{0B67D982-25C5-4CC2-AA64-276BE3B2CA75}"/>
               </a:ext>
               <a:ext uri="{C183D7F6-B498-43B3-948B-1728B52AA6E4}">
-                <adec:decorative xmlns:adec="http://schemas.microsoft.com/office/drawing/2017/decorative" val="1"/>
+                <adec:decorative xmlns:adec="http://schemas.microsoft.com/office/drawing/2017/decorative" xmlns="" val="1"/>
               </a:ext>
             </a:extLst>
           </p:cNvPr>
@@ -7959,7 +8059,7 @@
           <p:nvPr>
             <p:extLst>
               <p:ext uri="{386F3935-93C4-4BCD-93E2-E3B085C9AB24}">
-                <p16:designElem xmlns:p16="http://schemas.microsoft.com/office/powerpoint/2015/main" val="1"/>
+                <p16:designElem xmlns:p16="http://schemas.microsoft.com/office/powerpoint/2015/main" xmlns="" val="1"/>
               </p:ext>
             </p:extLst>
           </p:nvPr>
@@ -8009,6 +8109,13 @@
   <p:clrMapOvr>
     <a:masterClrMapping/>
   </p:clrMapOvr>
+  <p:timing>
+    <p:tnLst>
+      <p:par>
+        <p:cTn id="1" dur="indefinite" restart="never" nodeType="tmRoot"/>
+      </p:par>
+    </p:tnLst>
+  </p:timing>
 </p:sld>
 </file>
 
@@ -8259,7 +8366,7 @@
   <a:extraClrSchemeLst/>
   <a:extLst>
     <a:ext uri="{05A4C25C-085E-4340-85A3-A5531E510DB2}">
-      <thm15:themeFamily xmlns:thm15="http://schemas.microsoft.com/office/thememl/2012/main" name="View" id="{BA0EB5A6-F2D4-4F82-977B-64ADEE4A2A69}" vid="{3969A8A2-35DB-4E3B-8885-16FD20568674}"/>
+      <thm15:themeFamily xmlns:thm15="http://schemas.microsoft.com/office/thememl/2012/main" xmlns="" name="View" id="{BA0EB5A6-F2D4-4F82-977B-64ADEE4A2A69}" vid="{3969A8A2-35DB-4E3B-8885-16FD20568674}"/>
     </a:ext>
   </a:extLst>
 </a:theme>
@@ -8460,7 +8567,7 @@
   <a:extraClrSchemeLst/>
   <a:extLst>
     <a:ext uri="{05A4C25C-085E-4340-85A3-A5531E510DB2}">
-      <thm15:themeFamily xmlns:thm15="http://schemas.microsoft.com/office/thememl/2012/main" name="Office Theme" id="{62F939B6-93AF-4DB8-9C6B-D6C7DFDC589F}" vid="{4A3C46E8-61CC-4603-A589-7422A47A8E4A}"/>
+      <thm15:themeFamily xmlns:thm15="http://schemas.microsoft.com/office/thememl/2012/main" xmlns="" name="Office Theme" id="{62F939B6-93AF-4DB8-9C6B-D6C7DFDC589F}" vid="{4A3C46E8-61CC-4603-A589-7422A47A8E4A}"/>
     </a:ext>
   </a:extLst>
 </a:theme>
@@ -8755,7 +8862,7 @@
   <a:extraClrSchemeLst/>
   <a:extLst>
     <a:ext uri="{05A4C25C-085E-4340-85A3-A5531E510DB2}">
-      <thm15:themeFamily xmlns:thm15="http://schemas.microsoft.com/office/thememl/2012/main" name="Office Theme" id="{62F939B6-93AF-4DB8-9C6B-D6C7DFDC589F}" vid="{4A3C46E8-61CC-4603-A589-7422A47A8E4A}"/>
+      <thm15:themeFamily xmlns:thm15="http://schemas.microsoft.com/office/thememl/2012/main" xmlns="" name="Office Theme" id="{62F939B6-93AF-4DB8-9C6B-D6C7DFDC589F}" vid="{4A3C46E8-61CC-4603-A589-7422A47A8E4A}"/>
     </a:ext>
   </a:extLst>
 </a:theme>
